--- a/Final presentation.pptx
+++ b/Final presentation.pptx
@@ -47863,7 +47863,7 @@
         <p:spPr>
           <a:xfrm>
             <a:off x="833967" y="1231900"/>
-            <a:ext cx="10646833" cy="3408305"/>
+            <a:ext cx="10646833" cy="3539430"/>
           </a:xfrm>
           <a:prstGeom prst="rect">
             <a:avLst/>
@@ -47884,18 +47884,30 @@
               <a:buChar char="•"/>
             </a:pPr>
             <a:r>
-              <a:rPr kumimoji="1" lang="zh-CN" altLang="en-US" sz="2800" dirty="0"/>
+              <a:rPr kumimoji="1" lang="zh-CN" altLang="en-US" sz="2800" dirty="0">
+                <a:latin typeface="华文中宋" panose="02010600040101010101" pitchFamily="2" charset="-122"/>
+                <a:ea typeface="华文中宋" panose="02010600040101010101" pitchFamily="2" charset="-122"/>
+              </a:rPr>
               <a:t>李子强： 应用的</a:t>
             </a:r>
             <a:r>
-              <a:rPr kumimoji="1" lang="en-US" altLang="zh-CN" sz="2800" dirty="0"/>
+              <a:rPr kumimoji="1" lang="en-US" altLang="zh-CN" sz="2800" dirty="0">
+                <a:latin typeface="Adobe Garamond Pro" panose="02020502060506020403" pitchFamily="18" charset="0"/>
+                <a:ea typeface="华文中宋" panose="02010600040101010101" pitchFamily="2" charset="-122"/>
+              </a:rPr>
               <a:t>UI</a:t>
             </a:r>
             <a:r>
-              <a:rPr kumimoji="1" lang="zh-CN" altLang="en-US" sz="2800" dirty="0"/>
+              <a:rPr kumimoji="1" lang="zh-CN" altLang="en-US" sz="2800" dirty="0">
+                <a:latin typeface="华文中宋" panose="02010600040101010101" pitchFamily="2" charset="-122"/>
+                <a:ea typeface="华文中宋" panose="02010600040101010101" pitchFamily="2" charset="-122"/>
+              </a:rPr>
               <a:t>设计和实现</a:t>
             </a:r>
-            <a:endParaRPr kumimoji="1" lang="en-US" altLang="zh-CN" sz="2800" dirty="0"/>
+            <a:endParaRPr kumimoji="1" lang="en-US" altLang="zh-CN" sz="2800" dirty="0">
+              <a:latin typeface="华文中宋" panose="02010600040101010101" pitchFamily="2" charset="-122"/>
+              <a:ea typeface="华文中宋" panose="02010600040101010101" pitchFamily="2" charset="-122"/>
+            </a:endParaRPr>
           </a:p>
           <a:p>
             <a:pPr marL="285750" indent="-285750">
@@ -47906,10 +47918,30 @@
               <a:buChar char="•"/>
             </a:pPr>
             <a:r>
-              <a:rPr kumimoji="1" lang="zh-CN" altLang="en-US" sz="2800" dirty="0"/>
+              <a:rPr kumimoji="1" lang="zh-CN" altLang="en-US" sz="2800" dirty="0">
+                <a:latin typeface="华文中宋" panose="02010600040101010101" pitchFamily="2" charset="-122"/>
+                <a:ea typeface="华文中宋" panose="02010600040101010101" pitchFamily="2" charset="-122"/>
+              </a:rPr>
               <a:t>毛玉莲：</a:t>
             </a:r>
-            <a:endParaRPr kumimoji="1" lang="en-US" altLang="zh-CN" sz="2800" dirty="0"/>
+            <a:r>
+              <a:rPr kumimoji="1" lang="en-US" altLang="zh-CN" sz="2800" dirty="0" err="1">
+                <a:latin typeface="Adobe Garamond Pro" panose="02020502060506020403" pitchFamily="18" charset="0"/>
+                <a:ea typeface="华文中宋" panose="02010600040101010101" pitchFamily="2" charset="-122"/>
+              </a:rPr>
+              <a:t>GnuPG</a:t>
+            </a:r>
+            <a:r>
+              <a:rPr kumimoji="1" lang="zh-CN" altLang="en-US" sz="2800" dirty="0">
+                <a:latin typeface="华文中宋" panose="02010600040101010101" pitchFamily="2" charset="-122"/>
+                <a:ea typeface="华文中宋" panose="02010600040101010101" pitchFamily="2" charset="-122"/>
+              </a:rPr>
+              <a:t>加密解密，将公钥上传服务器 </a:t>
+            </a:r>
+            <a:endParaRPr kumimoji="1" lang="en-US" altLang="zh-CN" sz="2800" dirty="0">
+              <a:latin typeface="华文中宋" panose="02010600040101010101" pitchFamily="2" charset="-122"/>
+              <a:ea typeface="华文中宋" panose="02010600040101010101" pitchFamily="2" charset="-122"/>
+            </a:endParaRPr>
           </a:p>
           <a:p>
             <a:pPr marL="285750" indent="-285750">
@@ -47920,10 +47952,16 @@
               <a:buChar char="•"/>
             </a:pPr>
             <a:r>
-              <a:rPr kumimoji="1" lang="zh-CN" altLang="en-US" sz="2800" dirty="0"/>
+              <a:rPr kumimoji="1" lang="zh-CN" altLang="en-US" sz="2800" dirty="0">
+                <a:latin typeface="华文中宋" panose="02010600040101010101" pitchFamily="2" charset="-122"/>
+                <a:ea typeface="华文中宋" panose="02010600040101010101" pitchFamily="2" charset="-122"/>
+              </a:rPr>
               <a:t>王戈扬：</a:t>
             </a:r>
-            <a:endParaRPr kumimoji="1" lang="en-US" altLang="zh-CN" sz="2800" dirty="0"/>
+            <a:endParaRPr kumimoji="1" lang="en-US" altLang="zh-CN" sz="2800" dirty="0">
+              <a:latin typeface="华文中宋" panose="02010600040101010101" pitchFamily="2" charset="-122"/>
+              <a:ea typeface="华文中宋" panose="02010600040101010101" pitchFamily="2" charset="-122"/>
+            </a:endParaRPr>
           </a:p>
           <a:p>
             <a:pPr marL="285750" indent="-285750">
@@ -47934,26 +47972,44 @@
               <a:buChar char="•"/>
             </a:pPr>
             <a:r>
-              <a:rPr kumimoji="1" lang="zh-CN" altLang="en-US" sz="2800" dirty="0"/>
+              <a:rPr kumimoji="1" lang="zh-CN" altLang="en-US" sz="2800" dirty="0">
+                <a:latin typeface="华文中宋" panose="02010600040101010101" pitchFamily="2" charset="-122"/>
+                <a:ea typeface="华文中宋" panose="02010600040101010101" pitchFamily="2" charset="-122"/>
+              </a:rPr>
               <a:t>彭一明：</a:t>
             </a:r>
             <a:r>
-              <a:rPr kumimoji="1" lang="en-US" altLang="zh-CN" sz="2800" dirty="0"/>
+              <a:rPr kumimoji="1" lang="en-US" altLang="zh-CN" sz="2800" dirty="0">
+                <a:latin typeface="Adobe Garamond Pro" panose="02020502060506020403" pitchFamily="18" charset="0"/>
+                <a:ea typeface="华文中宋" panose="02010600040101010101" pitchFamily="2" charset="-122"/>
+              </a:rPr>
               <a:t>IMAP</a:t>
             </a:r>
             <a:r>
-              <a:rPr kumimoji="1" lang="zh-CN" altLang="en-US" sz="2800" dirty="0"/>
+              <a:rPr kumimoji="1" lang="zh-CN" altLang="en-US" sz="2800" dirty="0">
+                <a:latin typeface="华文中宋" panose="02010600040101010101" pitchFamily="2" charset="-122"/>
+                <a:ea typeface="华文中宋" panose="02010600040101010101" pitchFamily="2" charset="-122"/>
+              </a:rPr>
               <a:t>，</a:t>
             </a:r>
             <a:r>
-              <a:rPr kumimoji="1" lang="en-US" altLang="zh-CN" sz="2800" dirty="0"/>
+              <a:rPr kumimoji="1" lang="en-US" altLang="zh-CN" sz="2800" dirty="0">
+                <a:latin typeface="Adobe Garamond Pro" panose="02020502060506020403" pitchFamily="18" charset="0"/>
+                <a:ea typeface="华文中宋" panose="02010600040101010101" pitchFamily="2" charset="-122"/>
+              </a:rPr>
               <a:t>SMTP</a:t>
             </a:r>
             <a:r>
-              <a:rPr kumimoji="1" lang="zh-CN" altLang="en-US" sz="2800" dirty="0"/>
+              <a:rPr kumimoji="1" lang="zh-CN" altLang="en-US" sz="2800" dirty="0">
+                <a:latin typeface="华文中宋" panose="02010600040101010101" pitchFamily="2" charset="-122"/>
+                <a:ea typeface="华文中宋" panose="02010600040101010101" pitchFamily="2" charset="-122"/>
+              </a:rPr>
               <a:t>协议读写邮件，数据库持久化操作。</a:t>
             </a:r>
-            <a:endParaRPr kumimoji="1" lang="en-US" altLang="zh-CN" sz="2800" dirty="0"/>
+            <a:endParaRPr kumimoji="1" lang="en-US" altLang="zh-CN" sz="2800" dirty="0">
+              <a:latin typeface="华文中宋" panose="02010600040101010101" pitchFamily="2" charset="-122"/>
+              <a:ea typeface="华文中宋" panose="02010600040101010101" pitchFamily="2" charset="-122"/>
+            </a:endParaRPr>
           </a:p>
         </p:txBody>
       </p:sp>
@@ -48734,6 +48790,159 @@
           </a:p>
         </p:txBody>
       </p:sp>
+      <p:sp>
+        <p:nvSpPr>
+          <p:cNvPr id="3" name="文本框 2">
+            <a:extLst>
+              <a:ext uri="{FF2B5EF4-FFF2-40B4-BE49-F238E27FC236}">
+                <a16:creationId xmlns:a16="http://schemas.microsoft.com/office/drawing/2014/main" id="{EEB0E8F0-9BC7-40A8-A16D-0B605566CCA2}"/>
+              </a:ext>
+            </a:extLst>
+          </p:cNvPr>
+          <p:cNvSpPr txBox="1"/>
+          <p:nvPr/>
+        </p:nvSpPr>
+        <p:spPr>
+          <a:xfrm>
+            <a:off x="2419350" y="1240322"/>
+            <a:ext cx="7443320" cy="1569660"/>
+          </a:xfrm>
+          <a:prstGeom prst="rect">
+            <a:avLst/>
+          </a:prstGeom>
+          <a:noFill/>
+        </p:spPr>
+        <p:txBody>
+          <a:bodyPr wrap="none" rtlCol="0">
+            <a:spAutoFit/>
+          </a:bodyPr>
+          <a:lstStyle/>
+          <a:p>
+            <a:r>
+              <a:rPr lang="zh-CN" altLang="en-US" sz="4400" dirty="0">
+                <a:latin typeface="华文中宋" panose="02010600040101010101" pitchFamily="2" charset="-122"/>
+                <a:ea typeface="华文中宋" panose="02010600040101010101" pitchFamily="2" charset="-122"/>
+              </a:rPr>
+              <a:t>基于</a:t>
+            </a:r>
+            <a:r>
+              <a:rPr lang="zh-CN" altLang="zh-CN" sz="9600" dirty="0">
+                <a:latin typeface="Adobe Garamond Pro Bold" panose="02020702060506020403" pitchFamily="18" charset="0"/>
+                <a:ea typeface="华文中宋" panose="02010600040101010101" pitchFamily="2" charset="-122"/>
+              </a:rPr>
+              <a:t>GnuPG</a:t>
+            </a:r>
+            <a:r>
+              <a:rPr lang="zh-CN" altLang="en-US" sz="4400" dirty="0">
+                <a:latin typeface="华文中宋" panose="02010600040101010101" pitchFamily="2" charset="-122"/>
+                <a:ea typeface="华文中宋" panose="02010600040101010101" pitchFamily="2" charset="-122"/>
+              </a:rPr>
+              <a:t>加密协议</a:t>
+            </a:r>
+            <a:endParaRPr lang="zh-CN" altLang="zh-CN" sz="4400" dirty="0">
+              <a:latin typeface="华文中宋" panose="02010600040101010101" pitchFamily="2" charset="-122"/>
+              <a:ea typeface="华文中宋" panose="02010600040101010101" pitchFamily="2" charset="-122"/>
+            </a:endParaRPr>
+          </a:p>
+        </p:txBody>
+      </p:sp>
+      <p:sp>
+        <p:nvSpPr>
+          <p:cNvPr id="4" name="矩形 3">
+            <a:extLst>
+              <a:ext uri="{FF2B5EF4-FFF2-40B4-BE49-F238E27FC236}">
+                <a16:creationId xmlns:a16="http://schemas.microsoft.com/office/drawing/2014/main" id="{ED95415C-F5ED-4A22-BAD7-D50342BF0656}"/>
+              </a:ext>
+            </a:extLst>
+          </p:cNvPr>
+          <p:cNvSpPr/>
+          <p:nvPr/>
+        </p:nvSpPr>
+        <p:spPr>
+          <a:xfrm>
+            <a:off x="2419350" y="4029144"/>
+            <a:ext cx="6647974" cy="1600438"/>
+          </a:xfrm>
+          <a:prstGeom prst="rect">
+            <a:avLst/>
+          </a:prstGeom>
+        </p:spPr>
+        <p:txBody>
+          <a:bodyPr wrap="none">
+            <a:spAutoFit/>
+          </a:bodyPr>
+          <a:lstStyle/>
+          <a:p>
+            <a:r>
+              <a:rPr lang="zh-CN" altLang="en-US" sz="9800" dirty="0">
+                <a:latin typeface="华文中宋" panose="02010600040101010101" pitchFamily="2" charset="-122"/>
+                <a:ea typeface="华文中宋" panose="02010600040101010101" pitchFamily="2" charset="-122"/>
+              </a:rPr>
+              <a:t>安全</a:t>
+            </a:r>
+            <a:r>
+              <a:rPr lang="zh-CN" altLang="en-US" sz="4400" dirty="0">
+                <a:latin typeface="华文中宋" panose="02010600040101010101" pitchFamily="2" charset="-122"/>
+                <a:ea typeface="华文中宋" panose="02010600040101010101" pitchFamily="2" charset="-122"/>
+              </a:rPr>
+              <a:t>准即时聊天程序</a:t>
+            </a:r>
+            <a:endParaRPr lang="zh-CN" altLang="en-US" sz="4400" dirty="0"/>
+          </a:p>
+        </p:txBody>
+      </p:sp>
+      <p:sp>
+        <p:nvSpPr>
+          <p:cNvPr id="5" name="矩形 4">
+            <a:extLst>
+              <a:ext uri="{FF2B5EF4-FFF2-40B4-BE49-F238E27FC236}">
+                <a16:creationId xmlns:a16="http://schemas.microsoft.com/office/drawing/2014/main" id="{B6993EE8-9DEC-4AD9-8B6D-E2148C01A7C7}"/>
+              </a:ext>
+            </a:extLst>
+          </p:cNvPr>
+          <p:cNvSpPr/>
+          <p:nvPr/>
+        </p:nvSpPr>
+        <p:spPr>
+          <a:xfrm>
+            <a:off x="2419350" y="2566377"/>
+            <a:ext cx="8022196" cy="1600438"/>
+          </a:xfrm>
+          <a:prstGeom prst="rect">
+            <a:avLst/>
+          </a:prstGeom>
+        </p:spPr>
+        <p:txBody>
+          <a:bodyPr wrap="none">
+            <a:spAutoFit/>
+          </a:bodyPr>
+          <a:lstStyle/>
+          <a:p>
+            <a:r>
+              <a:rPr lang="zh-CN" altLang="en-US" sz="4400" dirty="0">
+                <a:latin typeface="华文中宋" panose="02010600040101010101" pitchFamily="2" charset="-122"/>
+                <a:ea typeface="华文中宋" panose="02010600040101010101" pitchFamily="2" charset="-122"/>
+              </a:rPr>
+              <a:t>使用</a:t>
+            </a:r>
+            <a:r>
+              <a:rPr lang="en-US" altLang="zh-CN" sz="9800" dirty="0">
+                <a:latin typeface="Adobe Garamond Pro Bold" panose="02020702060506020403" pitchFamily="18" charset="0"/>
+                <a:ea typeface="华文中宋" panose="02010600040101010101" pitchFamily="2" charset="-122"/>
+              </a:rPr>
+              <a:t>Email</a:t>
+            </a:r>
+            <a:r>
+              <a:rPr lang="zh-CN" altLang="en-US" sz="4800" dirty="0">
+                <a:latin typeface="华文中宋" panose="02010600040101010101" pitchFamily="2" charset="-122"/>
+                <a:ea typeface="华文中宋" panose="02010600040101010101" pitchFamily="2" charset="-122"/>
+              </a:rPr>
+              <a:t>框架传输消息</a:t>
+            </a:r>
+            <a:endParaRPr lang="zh-CN" altLang="en-US" sz="4400" dirty="0"/>
+          </a:p>
+        </p:txBody>
+      </p:sp>
     </p:spTree>
     <p:extLst>
       <p:ext uri="{BB962C8B-B14F-4D97-AF65-F5344CB8AC3E}">
@@ -48917,7 +49126,7 @@
         <p:spPr>
           <a:xfrm>
             <a:off x="1092200" y="1130300"/>
-            <a:ext cx="9931400" cy="5143459"/>
+            <a:ext cx="9931400" cy="4524315"/>
           </a:xfrm>
           <a:prstGeom prst="rect">
             <a:avLst/>
@@ -48932,21 +49141,29 @@
           <a:p>
             <a:pPr marL="285750" indent="-285750">
               <a:lnSpc>
-                <a:spcPct val="200000"/>
+                <a:spcPct val="150000"/>
               </a:lnSpc>
               <a:buFont typeface="Arial" charset="0"/>
               <a:buChar char="•"/>
             </a:pPr>
             <a:r>
-              <a:rPr kumimoji="1" lang="en-US" altLang="zh-CN" sz="2800" dirty="0">
+              <a:rPr kumimoji="1" lang="en-US" altLang="zh-CN" sz="3200" dirty="0">
+                <a:latin typeface="Adobe Garamond Pro Bold" panose="02020702060506020403" pitchFamily="18" charset="0"/>
+                <a:ea typeface="DengXian" charset="-122"/>
+                <a:cs typeface="DengXian" charset="-122"/>
+              </a:rPr>
+              <a:t>GPG</a:t>
+            </a:r>
+            <a:r>
+              <a:rPr kumimoji="1" lang="en-US" altLang="zh-CN" sz="3200" dirty="0">
                 <a:latin typeface="DengXian" charset="-122"/>
                 <a:ea typeface="DengXian" charset="-122"/>
                 <a:cs typeface="DengXian" charset="-122"/>
               </a:rPr>
-              <a:t>GPG,</a:t>
+              <a:t>,</a:t>
             </a:r>
             <a:r>
-              <a:rPr kumimoji="1" lang="zh-CN" altLang="en-US" sz="2800" dirty="0">
+              <a:rPr kumimoji="1" lang="zh-CN" altLang="en-US" sz="3200" dirty="0">
                 <a:latin typeface="DengXian" charset="-122"/>
                 <a:ea typeface="DengXian" charset="-122"/>
                 <a:cs typeface="DengXian" charset="-122"/>
@@ -48954,15 +49171,15 @@
               <a:t> </a:t>
             </a:r>
             <a:r>
-              <a:rPr kumimoji="1" lang="en-US" altLang="zh-CN" sz="2800" dirty="0">
-                <a:latin typeface="DengXian" charset="-122"/>
+              <a:rPr kumimoji="1" lang="en-US" altLang="zh-CN" sz="3200" dirty="0">
+                <a:latin typeface="Adobe Garamond Pro Bold" panose="02020702060506020403" pitchFamily="18" charset="0"/>
                 <a:ea typeface="DengXian" charset="-122"/>
                 <a:cs typeface="DengXian" charset="-122"/>
               </a:rPr>
               <a:t>RSA</a:t>
             </a:r>
             <a:r>
-              <a:rPr kumimoji="1" lang="zh-CN" altLang="en-US" sz="2800" dirty="0">
+              <a:rPr kumimoji="1" lang="zh-CN" altLang="en-US" sz="3200" dirty="0">
                 <a:latin typeface="DengXian" charset="-122"/>
                 <a:ea typeface="DengXian" charset="-122"/>
                 <a:cs typeface="DengXian" charset="-122"/>
@@ -48970,7 +49187,7 @@
               <a:t>等</a:t>
             </a:r>
             <a:r>
-              <a:rPr kumimoji="1" lang="en-US" altLang="zh-CN" sz="2800" dirty="0">
+              <a:rPr kumimoji="1" lang="en-US" altLang="zh-CN" sz="3200" dirty="0">
                 <a:latin typeface="DengXian" charset="-122"/>
                 <a:ea typeface="DengXian" charset="-122"/>
                 <a:cs typeface="DengXian" charset="-122"/>
@@ -48978,14 +49195,14 @@
               <a:t>Python</a:t>
             </a:r>
             <a:r>
-              <a:rPr kumimoji="1" lang="zh-CN" altLang="en-US" sz="2800" dirty="0">
+              <a:rPr kumimoji="1" lang="zh-CN" altLang="en-US" sz="3200" dirty="0">
                 <a:latin typeface="DengXian" charset="-122"/>
                 <a:ea typeface="DengXian" charset="-122"/>
                 <a:cs typeface="DengXian" charset="-122"/>
               </a:rPr>
-              <a:t>加密库。</a:t>
+              <a:t>加密库</a:t>
             </a:r>
-            <a:endParaRPr kumimoji="1" lang="en-US" altLang="zh-CN" sz="2800" dirty="0">
+            <a:endParaRPr kumimoji="1" lang="en-US" altLang="zh-CN" sz="3200" dirty="0">
               <a:latin typeface="DengXian" charset="-122"/>
               <a:ea typeface="DengXian" charset="-122"/>
               <a:cs typeface="DengXian" charset="-122"/>
@@ -48994,21 +49211,21 @@
           <a:p>
             <a:pPr marL="285750" indent="-285750">
               <a:lnSpc>
-                <a:spcPct val="200000"/>
+                <a:spcPct val="150000"/>
               </a:lnSpc>
               <a:buFont typeface="Arial" charset="0"/>
               <a:buChar char="•"/>
             </a:pPr>
             <a:r>
-              <a:rPr kumimoji="1" lang="en-US" altLang="zh-CN" sz="2800" dirty="0" err="1">
-                <a:latin typeface="DengXian" charset="-122"/>
+              <a:rPr kumimoji="1" lang="en-US" altLang="zh-CN" sz="3200" dirty="0" err="1">
+                <a:latin typeface="Adobe Garamond Pro Bold" panose="02020702060506020403" pitchFamily="18" charset="0"/>
                 <a:ea typeface="DengXian" charset="-122"/>
                 <a:cs typeface="DengXian" charset="-122"/>
               </a:rPr>
               <a:t>Git</a:t>
             </a:r>
             <a:r>
-              <a:rPr kumimoji="1" lang="en-US" altLang="zh-CN" sz="2800" dirty="0">
+              <a:rPr kumimoji="1" lang="en-US" altLang="zh-CN" sz="3200" dirty="0">
                 <a:latin typeface="DengXian" charset="-122"/>
                 <a:ea typeface="DengXian" charset="-122"/>
                 <a:cs typeface="DengXian" charset="-122"/>
@@ -49016,7 +49233,7 @@
               <a:t>,</a:t>
             </a:r>
             <a:r>
-              <a:rPr kumimoji="1" lang="zh-CN" altLang="en-US" sz="2800" dirty="0">
+              <a:rPr kumimoji="1" lang="zh-CN" altLang="en-US" sz="3200" dirty="0">
                 <a:latin typeface="DengXian" charset="-122"/>
                 <a:ea typeface="DengXian" charset="-122"/>
                 <a:cs typeface="DengXian" charset="-122"/>
@@ -49024,7 +49241,7 @@
               <a:t> </a:t>
             </a:r>
             <a:r>
-              <a:rPr kumimoji="1" lang="en-US" altLang="zh-CN" sz="2800" dirty="0" err="1">
+              <a:rPr kumimoji="1" lang="en-US" altLang="zh-CN" sz="3200" dirty="0" err="1">
                 <a:latin typeface="DengXian" charset="-122"/>
                 <a:ea typeface="DengXian" charset="-122"/>
                 <a:cs typeface="DengXian" charset="-122"/>
@@ -49032,14 +49249,14 @@
               <a:t>github</a:t>
             </a:r>
             <a:r>
-              <a:rPr kumimoji="1" lang="zh-CN" altLang="en-US" sz="2800" dirty="0">
+              <a:rPr kumimoji="1" lang="zh-CN" altLang="en-US" sz="3200" dirty="0">
                 <a:latin typeface="DengXian" charset="-122"/>
                 <a:ea typeface="DengXian" charset="-122"/>
                 <a:cs typeface="DengXian" charset="-122"/>
               </a:rPr>
-              <a:t>版本控制。</a:t>
+              <a:t>版本控制</a:t>
             </a:r>
-            <a:endParaRPr kumimoji="1" lang="en-US" altLang="zh-CN" sz="2800" dirty="0">
+            <a:endParaRPr kumimoji="1" lang="en-US" altLang="zh-CN" sz="3200" dirty="0">
               <a:latin typeface="DengXian" charset="-122"/>
               <a:ea typeface="DengXian" charset="-122"/>
               <a:cs typeface="DengXian" charset="-122"/>
@@ -49048,21 +49265,21 @@
           <a:p>
             <a:pPr marL="285750" indent="-285750">
               <a:lnSpc>
-                <a:spcPct val="200000"/>
+                <a:spcPct val="150000"/>
               </a:lnSpc>
               <a:buFont typeface="Arial" charset="0"/>
               <a:buChar char="•"/>
             </a:pPr>
             <a:r>
-              <a:rPr kumimoji="1" lang="en-US" altLang="zh-CN" sz="2800" dirty="0" err="1">
-                <a:latin typeface="DengXian" charset="-122"/>
+              <a:rPr kumimoji="1" lang="en-US" altLang="zh-CN" sz="3200" dirty="0" err="1">
+                <a:latin typeface="Adobe Garamond Pro Bold" panose="02020702060506020403" pitchFamily="18" charset="0"/>
                 <a:ea typeface="DengXian" charset="-122"/>
                 <a:cs typeface="DengXian" charset="-122"/>
               </a:rPr>
               <a:t>imapy</a:t>
             </a:r>
             <a:r>
-              <a:rPr kumimoji="1" lang="zh-CN" altLang="en-US" sz="2800" dirty="0">
+              <a:rPr kumimoji="1" lang="zh-CN" altLang="en-US" sz="3200" dirty="0">
                 <a:latin typeface="DengXian" charset="-122"/>
                 <a:ea typeface="DengXian" charset="-122"/>
                 <a:cs typeface="DengXian" charset="-122"/>
@@ -49070,7 +49287,7 @@
               <a:t>库利用</a:t>
             </a:r>
             <a:r>
-              <a:rPr kumimoji="1" lang="en-US" altLang="zh-CN" sz="2800" dirty="0">
+              <a:rPr kumimoji="1" lang="en-US" altLang="zh-CN" sz="3200" dirty="0">
                 <a:latin typeface="DengXian" charset="-122"/>
                 <a:ea typeface="DengXian" charset="-122"/>
                 <a:cs typeface="DengXian" charset="-122"/>
@@ -49078,14 +49295,14 @@
               <a:t>IMAP</a:t>
             </a:r>
             <a:r>
-              <a:rPr kumimoji="1" lang="zh-CN" altLang="en-US" sz="2800" dirty="0">
+              <a:rPr kumimoji="1" lang="zh-CN" altLang="en-US" sz="3200" dirty="0">
                 <a:latin typeface="DengXian" charset="-122"/>
                 <a:ea typeface="DengXian" charset="-122"/>
                 <a:cs typeface="DengXian" charset="-122"/>
               </a:rPr>
-              <a:t>协议访问邮件。</a:t>
+              <a:t>协议访问邮件</a:t>
             </a:r>
-            <a:endParaRPr kumimoji="1" lang="en-US" altLang="zh-CN" sz="2800" dirty="0">
+            <a:endParaRPr kumimoji="1" lang="en-US" altLang="zh-CN" sz="3200" dirty="0">
               <a:latin typeface="DengXian" charset="-122"/>
               <a:ea typeface="DengXian" charset="-122"/>
               <a:cs typeface="DengXian" charset="-122"/>
@@ -49094,21 +49311,21 @@
           <a:p>
             <a:pPr marL="285750" indent="-285750">
               <a:lnSpc>
-                <a:spcPct val="200000"/>
+                <a:spcPct val="150000"/>
               </a:lnSpc>
               <a:buFont typeface="Arial" charset="0"/>
               <a:buChar char="•"/>
             </a:pPr>
             <a:r>
-              <a:rPr kumimoji="1" lang="en-US" altLang="zh-CN" sz="2800" dirty="0" err="1">
-                <a:latin typeface="DengXian" charset="-122"/>
+              <a:rPr kumimoji="1" lang="en-US" altLang="zh-CN" sz="3200" dirty="0">
+                <a:latin typeface="Adobe Garamond Pro Bold" panose="02020702060506020403" pitchFamily="18" charset="0"/>
                 <a:ea typeface="DengXian" charset="-122"/>
                 <a:cs typeface="DengXian" charset="-122"/>
               </a:rPr>
               <a:t>smtp</a:t>
             </a:r>
             <a:r>
-              <a:rPr kumimoji="1" lang="zh-CN" altLang="en-US" sz="2800" dirty="0">
+              <a:rPr kumimoji="1" lang="zh-CN" altLang="en-US" sz="3200" dirty="0">
                 <a:latin typeface="DengXian" charset="-122"/>
                 <a:ea typeface="DengXian" charset="-122"/>
                 <a:cs typeface="DengXian" charset="-122"/>
@@ -49116,7 +49333,7 @@
               <a:t>库利用</a:t>
             </a:r>
             <a:r>
-              <a:rPr kumimoji="1" lang="en-US" altLang="zh-CN" sz="2800" dirty="0">
+              <a:rPr kumimoji="1" lang="en-US" altLang="zh-CN" sz="3200" dirty="0">
                 <a:latin typeface="DengXian" charset="-122"/>
                 <a:ea typeface="DengXian" charset="-122"/>
                 <a:cs typeface="DengXian" charset="-122"/>
@@ -49124,14 +49341,14 @@
               <a:t>SMTP</a:t>
             </a:r>
             <a:r>
-              <a:rPr kumimoji="1" lang="zh-CN" altLang="en-US" sz="2800" dirty="0">
+              <a:rPr kumimoji="1" lang="zh-CN" altLang="en-US" sz="3200" dirty="0">
                 <a:latin typeface="DengXian" charset="-122"/>
                 <a:ea typeface="DengXian" charset="-122"/>
                 <a:cs typeface="DengXian" charset="-122"/>
               </a:rPr>
-              <a:t>协议发送邮件。 </a:t>
+              <a:t>协议发送邮件 </a:t>
             </a:r>
-            <a:endParaRPr kumimoji="1" lang="en-US" altLang="zh-CN" sz="2800" dirty="0">
+            <a:endParaRPr kumimoji="1" lang="en-US" altLang="zh-CN" sz="3200" dirty="0">
               <a:latin typeface="DengXian" charset="-122"/>
               <a:ea typeface="DengXian" charset="-122"/>
               <a:cs typeface="DengXian" charset="-122"/>
@@ -49140,28 +49357,28 @@
           <a:p>
             <a:pPr marL="285750" indent="-285750">
               <a:lnSpc>
-                <a:spcPct val="200000"/>
+                <a:spcPct val="150000"/>
               </a:lnSpc>
               <a:buFont typeface="Arial" charset="0"/>
               <a:buChar char="•"/>
             </a:pPr>
             <a:r>
-              <a:rPr kumimoji="1" lang="en-US" altLang="zh-CN" sz="2800" dirty="0">
-                <a:latin typeface="DengXian" charset="-122"/>
+              <a:rPr kumimoji="1" lang="en-US" altLang="zh-CN" sz="3200" dirty="0">
+                <a:latin typeface="Adobe Garamond Pro Bold" panose="02020702060506020403" pitchFamily="18" charset="0"/>
                 <a:ea typeface="DengXian" charset="-122"/>
                 <a:cs typeface="DengXian" charset="-122"/>
               </a:rPr>
               <a:t>SQLite</a:t>
             </a:r>
             <a:r>
-              <a:rPr kumimoji="1" lang="zh-CN" altLang="en-US" sz="2800" dirty="0">
+              <a:rPr kumimoji="1" lang="zh-CN" altLang="en-US" sz="3200" dirty="0">
                 <a:latin typeface="DengXian" charset="-122"/>
                 <a:ea typeface="DengXian" charset="-122"/>
                 <a:cs typeface="DengXian" charset="-122"/>
               </a:rPr>
-              <a:t> 数据库。</a:t>
+              <a:t> 数据库</a:t>
             </a:r>
-            <a:endParaRPr kumimoji="1" lang="en-US" altLang="zh-CN" sz="2800" dirty="0">
+            <a:endParaRPr kumimoji="1" lang="en-US" altLang="zh-CN" sz="3200" dirty="0">
               <a:latin typeface="DengXian" charset="-122"/>
               <a:ea typeface="DengXian" charset="-122"/>
               <a:cs typeface="DengXian" charset="-122"/>
@@ -49170,21 +49387,21 @@
           <a:p>
             <a:pPr marL="285750" indent="-285750">
               <a:lnSpc>
-                <a:spcPct val="200000"/>
+                <a:spcPct val="150000"/>
               </a:lnSpc>
               <a:buFont typeface="Arial" charset="0"/>
               <a:buChar char="•"/>
             </a:pPr>
             <a:r>
-              <a:rPr kumimoji="1" lang="en-US" altLang="zh-CN" sz="2800" dirty="0" err="1">
-                <a:latin typeface="DengXian" charset="-122"/>
+              <a:rPr kumimoji="1" lang="en-US" altLang="zh-CN" sz="3200" dirty="0" err="1">
+                <a:latin typeface="Adobe Garamond Pro Bold" panose="02020702060506020403" pitchFamily="18" charset="0"/>
                 <a:ea typeface="DengXian" charset="-122"/>
                 <a:cs typeface="DengXian" charset="-122"/>
               </a:rPr>
               <a:t>PyQt</a:t>
             </a:r>
             <a:r>
-              <a:rPr kumimoji="1" lang="zh-CN" altLang="en-US" sz="2800" dirty="0">
+              <a:rPr kumimoji="1" lang="zh-CN" altLang="en-US" sz="3200" dirty="0">
                 <a:latin typeface="DengXian" charset="-122"/>
                 <a:ea typeface="DengXian" charset="-122"/>
                 <a:cs typeface="DengXian" charset="-122"/>
@@ -49192,21 +49409,18 @@
               <a:t>框架实现</a:t>
             </a:r>
             <a:r>
-              <a:rPr kumimoji="1" lang="en-US" altLang="zh-CN" sz="2800" dirty="0">
+              <a:rPr kumimoji="1" lang="en-US" altLang="zh-CN" sz="3200" dirty="0">
                 <a:latin typeface="DengXian" charset="-122"/>
                 <a:ea typeface="DengXian" charset="-122"/>
                 <a:cs typeface="DengXian" charset="-122"/>
               </a:rPr>
               <a:t>UI</a:t>
             </a:r>
-            <a:r>
-              <a:rPr kumimoji="1" lang="zh-CN" altLang="en-US" sz="2800" dirty="0">
-                <a:latin typeface="DengXian" charset="-122"/>
-                <a:ea typeface="DengXian" charset="-122"/>
-                <a:cs typeface="DengXian" charset="-122"/>
-              </a:rPr>
-              <a:t>。</a:t>
-            </a:r>
+            <a:endParaRPr kumimoji="1" lang="zh-CN" altLang="en-US" sz="3200" dirty="0">
+              <a:latin typeface="DengXian" charset="-122"/>
+              <a:ea typeface="DengXian" charset="-122"/>
+              <a:cs typeface="DengXian" charset="-122"/>
+            </a:endParaRPr>
           </a:p>
         </p:txBody>
       </p:sp>

--- a/Final presentation.pptx
+++ b/Final presentation.pptx
@@ -47863,7 +47863,7 @@
         <p:spPr>
           <a:xfrm>
             <a:off x="833967" y="1231900"/>
-            <a:ext cx="10646833" cy="3539430"/>
+            <a:ext cx="10646833" cy="4401205"/>
           </a:xfrm>
           <a:prstGeom prst="rect">
             <a:avLst/>
@@ -47956,7 +47956,7 @@
                 <a:latin typeface="华文中宋" panose="02010600040101010101" pitchFamily="2" charset="-122"/>
                 <a:ea typeface="华文中宋" panose="02010600040101010101" pitchFamily="2" charset="-122"/>
               </a:rPr>
-              <a:t>王戈扬：</a:t>
+              <a:t>王戈扬：消息加密，解密的实现。与公钥服务器的对接</a:t>
             </a:r>
             <a:endParaRPr kumimoji="1" lang="en-US" altLang="zh-CN" sz="2800" dirty="0">
               <a:latin typeface="华文中宋" panose="02010600040101010101" pitchFamily="2" charset="-122"/>
@@ -48004,7 +48004,7 @@
                 <a:latin typeface="华文中宋" panose="02010600040101010101" pitchFamily="2" charset="-122"/>
                 <a:ea typeface="华文中宋" panose="02010600040101010101" pitchFamily="2" charset="-122"/>
               </a:rPr>
-              <a:t>协议读写邮件，数据库持久化操作。</a:t>
+              <a:t>协议读写邮件，数据库持久化操作，公钥服务器的实现和部署</a:t>
             </a:r>
             <a:endParaRPr kumimoji="1" lang="en-US" altLang="zh-CN" sz="2800" dirty="0">
               <a:latin typeface="华文中宋" panose="02010600040101010101" pitchFamily="2" charset="-122"/>

--- a/Final presentation.pptx
+++ b/Final presentation.pptx
@@ -48805,7 +48805,7 @@
         <p:spPr>
           <a:xfrm>
             <a:off x="2419350" y="1240322"/>
-            <a:ext cx="7443320" cy="1569660"/>
+            <a:ext cx="7375545" cy="1569660"/>
           </a:xfrm>
           <a:prstGeom prst="rect">
             <a:avLst/>
@@ -48837,7 +48837,7 @@
                 <a:latin typeface="华文中宋" panose="02010600040101010101" pitchFamily="2" charset="-122"/>
                 <a:ea typeface="华文中宋" panose="02010600040101010101" pitchFamily="2" charset="-122"/>
               </a:rPr>
-              <a:t>加密协议</a:t>
+              <a:t>软件加密</a:t>
             </a:r>
             <a:endParaRPr lang="zh-CN" altLang="zh-CN" sz="4400" dirty="0">
               <a:latin typeface="华文中宋" panose="02010600040101010101" pitchFamily="2" charset="-122"/>
@@ -49147,7 +49147,7 @@
               <a:buChar char="•"/>
             </a:pPr>
             <a:r>
-              <a:rPr kumimoji="1" lang="en-US" altLang="zh-CN" sz="3200" dirty="0">
+              <a:rPr kumimoji="1" lang="en-US" altLang="zh-CN" sz="3200" strike="sngStrike" dirty="0">
                 <a:latin typeface="Adobe Garamond Pro Bold" panose="02020702060506020403" pitchFamily="18" charset="0"/>
                 <a:ea typeface="DengXian" charset="-122"/>
                 <a:cs typeface="DengXian" charset="-122"/>

--- a/Final presentation.pptx
+++ b/Final presentation.pptx
@@ -47436,7 +47436,7 @@
           <p:cNvPr id="8" name="图片 7">
             <a:extLst>
               <a:ext uri="{FF2B5EF4-FFF2-40B4-BE49-F238E27FC236}">
-                <a16:creationId xmlns:a16="http://schemas.microsoft.com/office/drawing/2014/main" id="{D6DACA69-9BBC-41EE-8FE6-103496B682FF}"/>
+                <a16:creationId xmlns:a16="http://schemas.microsoft.com/office/drawing/2014/main" xmlns="" id="{D6DACA69-9BBC-41EE-8FE6-103496B682FF}"/>
               </a:ext>
             </a:extLst>
           </p:cNvPr>
@@ -47466,7 +47466,7 @@
           <p:cNvPr id="4" name="图片 3">
             <a:extLst>
               <a:ext uri="{FF2B5EF4-FFF2-40B4-BE49-F238E27FC236}">
-                <a16:creationId xmlns:a16="http://schemas.microsoft.com/office/drawing/2014/main" id="{27C4A210-F70E-452A-89F2-697FDC878BE0}"/>
+                <a16:creationId xmlns:a16="http://schemas.microsoft.com/office/drawing/2014/main" xmlns="" id="{27C4A210-F70E-452A-89F2-697FDC878BE0}"/>
               </a:ext>
             </a:extLst>
           </p:cNvPr>
@@ -47496,7 +47496,7 @@
           <p:cNvPr id="7" name="文本占位符 1">
             <a:extLst>
               <a:ext uri="{FF2B5EF4-FFF2-40B4-BE49-F238E27FC236}">
-                <a16:creationId xmlns:a16="http://schemas.microsoft.com/office/drawing/2014/main" id="{9855B88D-3DF8-4454-81F8-3F0F1933C6C6}"/>
+                <a16:creationId xmlns:a16="http://schemas.microsoft.com/office/drawing/2014/main" xmlns="" id="{9855B88D-3DF8-4454-81F8-3F0F1933C6C6}"/>
               </a:ext>
             </a:extLst>
           </p:cNvPr>
@@ -47570,7 +47570,7 @@
           <p:cNvPr id="5" name="图片 4">
             <a:extLst>
               <a:ext uri="{FF2B5EF4-FFF2-40B4-BE49-F238E27FC236}">
-                <a16:creationId xmlns:a16="http://schemas.microsoft.com/office/drawing/2014/main" id="{09671319-FEB7-46CE-8147-90A61D68921A}"/>
+                <a16:creationId xmlns:a16="http://schemas.microsoft.com/office/drawing/2014/main" xmlns="" id="{09671319-FEB7-46CE-8147-90A61D68921A}"/>
               </a:ext>
             </a:extLst>
           </p:cNvPr>
@@ -47600,7 +47600,7 @@
           <p:cNvPr id="12" name="图片 11">
             <a:extLst>
               <a:ext uri="{FF2B5EF4-FFF2-40B4-BE49-F238E27FC236}">
-                <a16:creationId xmlns:a16="http://schemas.microsoft.com/office/drawing/2014/main" id="{94C6F116-BB31-427F-8179-D29BFB7DC307}"/>
+                <a16:creationId xmlns:a16="http://schemas.microsoft.com/office/drawing/2014/main" xmlns="" id="{94C6F116-BB31-427F-8179-D29BFB7DC307}"/>
               </a:ext>
             </a:extLst>
           </p:cNvPr>
@@ -47630,7 +47630,7 @@
           <p:cNvPr id="8" name="文本占位符 1">
             <a:extLst>
               <a:ext uri="{FF2B5EF4-FFF2-40B4-BE49-F238E27FC236}">
-                <a16:creationId xmlns:a16="http://schemas.microsoft.com/office/drawing/2014/main" id="{7C9DDE8D-34AF-4F5C-94FE-85C4FC2DD480}"/>
+                <a16:creationId xmlns:a16="http://schemas.microsoft.com/office/drawing/2014/main" xmlns="" id="{7C9DDE8D-34AF-4F5C-94FE-85C4FC2DD480}"/>
               </a:ext>
             </a:extLst>
           </p:cNvPr>
@@ -47862,8 +47862,8 @@
         </p:nvSpPr>
         <p:spPr>
           <a:xfrm>
-            <a:off x="833967" y="1231900"/>
-            <a:ext cx="10646833" cy="4401205"/>
+            <a:off x="833967" y="895569"/>
+            <a:ext cx="10646833" cy="5262979"/>
           </a:xfrm>
           <a:prstGeom prst="rect">
             <a:avLst/>
@@ -47956,7 +47956,70 @@
                 <a:latin typeface="华文中宋" panose="02010600040101010101" pitchFamily="2" charset="-122"/>
                 <a:ea typeface="华文中宋" panose="02010600040101010101" pitchFamily="2" charset="-122"/>
               </a:rPr>
-              <a:t>王戈扬：消息加密，解密的实现。与公钥服务器的对接</a:t>
+              <a:t>王戈扬：</a:t>
+            </a:r>
+            <a:r>
+              <a:rPr kumimoji="1" lang="zh-CN" altLang="en-US" sz="2800" dirty="0" smtClean="0">
+                <a:latin typeface="华文中宋" panose="02010600040101010101" pitchFamily="2" charset="-122"/>
+                <a:ea typeface="华文中宋" panose="02010600040101010101" pitchFamily="2" charset="-122"/>
+              </a:rPr>
+              <a:t>消息</a:t>
+            </a:r>
+            <a:r>
+              <a:rPr kumimoji="1" lang="en-US" altLang="zh-CN" sz="2800" dirty="0" smtClean="0">
+                <a:latin typeface="华文中宋" panose="02010600040101010101" pitchFamily="2" charset="-122"/>
+                <a:ea typeface="华文中宋" panose="02010600040101010101" pitchFamily="2" charset="-122"/>
+              </a:rPr>
+              <a:t>RSA</a:t>
+            </a:r>
+            <a:r>
+              <a:rPr kumimoji="1" lang="zh-CN" altLang="en-US" sz="2800" dirty="0" smtClean="0">
+                <a:latin typeface="华文中宋" panose="02010600040101010101" pitchFamily="2" charset="-122"/>
+                <a:ea typeface="华文中宋" panose="02010600040101010101" pitchFamily="2" charset="-122"/>
+              </a:rPr>
+              <a:t>加密</a:t>
+            </a:r>
+            <a:r>
+              <a:rPr kumimoji="1" lang="zh-CN" altLang="en-US" sz="2800" dirty="0">
+                <a:latin typeface="华文中宋" panose="02010600040101010101" pitchFamily="2" charset="-122"/>
+                <a:ea typeface="华文中宋" panose="02010600040101010101" pitchFamily="2" charset="-122"/>
+              </a:rPr>
+              <a:t>，解密的</a:t>
+            </a:r>
+            <a:r>
+              <a:rPr kumimoji="1" lang="zh-CN" altLang="en-US" sz="2800" dirty="0" smtClean="0">
+                <a:latin typeface="华文中宋" panose="02010600040101010101" pitchFamily="2" charset="-122"/>
+                <a:ea typeface="华文中宋" panose="02010600040101010101" pitchFamily="2" charset="-122"/>
+              </a:rPr>
+              <a:t>实现；与</a:t>
+            </a:r>
+            <a:r>
+              <a:rPr kumimoji="1" lang="zh-CN" altLang="en-US" sz="2800" dirty="0">
+                <a:latin typeface="华文中宋" panose="02010600040101010101" pitchFamily="2" charset="-122"/>
+                <a:ea typeface="华文中宋" panose="02010600040101010101" pitchFamily="2" charset="-122"/>
+              </a:rPr>
+              <a:t>公钥服务器的</a:t>
+            </a:r>
+            <a:r>
+              <a:rPr kumimoji="1" lang="zh-CN" altLang="en-US" sz="2800" dirty="0" smtClean="0">
+                <a:latin typeface="华文中宋" panose="02010600040101010101" pitchFamily="2" charset="-122"/>
+                <a:ea typeface="华文中宋" panose="02010600040101010101" pitchFamily="2" charset="-122"/>
+              </a:rPr>
+              <a:t>对接；</a:t>
+            </a:r>
+            <a:r>
+              <a:rPr kumimoji="1" lang="en-US" altLang="zh-CN" sz="2800" dirty="0">
+                <a:latin typeface="华文中宋" panose="02010600040101010101" pitchFamily="2" charset="-122"/>
+                <a:ea typeface="华文中宋" panose="02010600040101010101" pitchFamily="2" charset="-122"/>
+              </a:rPr>
+              <a:t> UI</a:t>
+            </a:r>
+            <a:r>
+              <a:rPr kumimoji="1" lang="zh-CN" altLang="en-US" sz="2800" dirty="0">
+                <a:latin typeface="华文中宋" panose="02010600040101010101" pitchFamily="2" charset="-122"/>
+                <a:ea typeface="华文中宋" panose="02010600040101010101" pitchFamily="2" charset="-122"/>
+              </a:rPr>
+              <a:t>与后端的接入</a:t>
             </a:r>
             <a:endParaRPr kumimoji="1" lang="en-US" altLang="zh-CN" sz="2800" dirty="0">
               <a:latin typeface="华文中宋" panose="02010600040101010101" pitchFamily="2" charset="-122"/>
@@ -48004,7 +48067,56 @@
                 <a:latin typeface="华文中宋" panose="02010600040101010101" pitchFamily="2" charset="-122"/>
                 <a:ea typeface="华文中宋" panose="02010600040101010101" pitchFamily="2" charset="-122"/>
               </a:rPr>
-              <a:t>协议读写邮件，数据库持久化操作，公钥服务器的实现和部署</a:t>
+              <a:t>协议读写</a:t>
+            </a:r>
+            <a:r>
+              <a:rPr kumimoji="1" lang="zh-CN" altLang="en-US" sz="2800" dirty="0" smtClean="0">
+                <a:latin typeface="华文中宋" panose="02010600040101010101" pitchFamily="2" charset="-122"/>
+                <a:ea typeface="华文中宋" panose="02010600040101010101" pitchFamily="2" charset="-122"/>
+              </a:rPr>
+              <a:t>邮件；数据库</a:t>
+            </a:r>
+            <a:r>
+              <a:rPr kumimoji="1" lang="zh-CN" altLang="en-US" sz="2800" dirty="0">
+                <a:latin typeface="华文中宋" panose="02010600040101010101" pitchFamily="2" charset="-122"/>
+                <a:ea typeface="华文中宋" panose="02010600040101010101" pitchFamily="2" charset="-122"/>
+              </a:rPr>
+              <a:t>持久化</a:t>
+            </a:r>
+            <a:r>
+              <a:rPr kumimoji="1" lang="zh-CN" altLang="en-US" sz="2800" dirty="0" smtClean="0">
+                <a:latin typeface="华文中宋" panose="02010600040101010101" pitchFamily="2" charset="-122"/>
+                <a:ea typeface="华文中宋" panose="02010600040101010101" pitchFamily="2" charset="-122"/>
+              </a:rPr>
+              <a:t>操作；公钥</a:t>
+            </a:r>
+            <a:r>
+              <a:rPr kumimoji="1" lang="zh-CN" altLang="en-US" sz="2800" dirty="0">
+                <a:latin typeface="华文中宋" panose="02010600040101010101" pitchFamily="2" charset="-122"/>
+                <a:ea typeface="华文中宋" panose="02010600040101010101" pitchFamily="2" charset="-122"/>
+              </a:rPr>
+              <a:t>服务器的实现和</a:t>
+            </a:r>
+            <a:r>
+              <a:rPr kumimoji="1" lang="zh-CN" altLang="en-US" sz="2800" dirty="0" smtClean="0">
+                <a:latin typeface="华文中宋" panose="02010600040101010101" pitchFamily="2" charset="-122"/>
+                <a:ea typeface="华文中宋" panose="02010600040101010101" pitchFamily="2" charset="-122"/>
+              </a:rPr>
+              <a:t>部署；</a:t>
+            </a:r>
+            <a:r>
+              <a:rPr kumimoji="1" lang="en-US" altLang="zh-CN" sz="2800" dirty="0" smtClean="0">
+                <a:latin typeface="华文中宋" panose="02010600040101010101" pitchFamily="2" charset="-122"/>
+                <a:ea typeface="华文中宋" panose="02010600040101010101" pitchFamily="2" charset="-122"/>
+              </a:rPr>
+              <a:t>UI</a:t>
+            </a:r>
+            <a:r>
+              <a:rPr kumimoji="1" lang="zh-CN" altLang="en-US" sz="2800" dirty="0" smtClean="0">
+                <a:latin typeface="华文中宋" panose="02010600040101010101" pitchFamily="2" charset="-122"/>
+                <a:ea typeface="华文中宋" panose="02010600040101010101" pitchFamily="2" charset="-122"/>
+              </a:rPr>
+              <a:t>与后端的接入。</a:t>
             </a:r>
             <a:endParaRPr kumimoji="1" lang="en-US" altLang="zh-CN" sz="2800" dirty="0">
               <a:latin typeface="华文中宋" panose="02010600040101010101" pitchFamily="2" charset="-122"/>
@@ -48795,7 +48907,7 @@
           <p:cNvPr id="3" name="文本框 2">
             <a:extLst>
               <a:ext uri="{FF2B5EF4-FFF2-40B4-BE49-F238E27FC236}">
-                <a16:creationId xmlns:a16="http://schemas.microsoft.com/office/drawing/2014/main" id="{EEB0E8F0-9BC7-40A8-A16D-0B605566CCA2}"/>
+                <a16:creationId xmlns:a16="http://schemas.microsoft.com/office/drawing/2014/main" xmlns="" id="{EEB0E8F0-9BC7-40A8-A16D-0B605566CCA2}"/>
               </a:ext>
             </a:extLst>
           </p:cNvPr>
@@ -48851,7 +48963,7 @@
           <p:cNvPr id="4" name="矩形 3">
             <a:extLst>
               <a:ext uri="{FF2B5EF4-FFF2-40B4-BE49-F238E27FC236}">
-                <a16:creationId xmlns:a16="http://schemas.microsoft.com/office/drawing/2014/main" id="{ED95415C-F5ED-4A22-BAD7-D50342BF0656}"/>
+                <a16:creationId xmlns:a16="http://schemas.microsoft.com/office/drawing/2014/main" xmlns="" id="{ED95415C-F5ED-4A22-BAD7-D50342BF0656}"/>
               </a:ext>
             </a:extLst>
           </p:cNvPr>
@@ -48896,7 +49008,7 @@
           <p:cNvPr id="5" name="矩形 4">
             <a:extLst>
               <a:ext uri="{FF2B5EF4-FFF2-40B4-BE49-F238E27FC236}">
-                <a16:creationId xmlns:a16="http://schemas.microsoft.com/office/drawing/2014/main" id="{B6993EE8-9DEC-4AD9-8B6D-E2148C01A7C7}"/>
+                <a16:creationId xmlns:a16="http://schemas.microsoft.com/office/drawing/2014/main" xmlns="" id="{B6993EE8-9DEC-4AD9-8B6D-E2148C01A7C7}"/>
               </a:ext>
             </a:extLst>
           </p:cNvPr>
@@ -49126,7 +49238,7 @@
         <p:spPr>
           <a:xfrm>
             <a:off x="1092200" y="1130300"/>
-            <a:ext cx="9931400" cy="4524315"/>
+            <a:ext cx="9931400" cy="5262979"/>
           </a:xfrm>
           <a:prstGeom prst="rect">
             <a:avLst/>
@@ -49409,12 +49521,77 @@
               <a:t>框架实现</a:t>
             </a:r>
             <a:r>
-              <a:rPr kumimoji="1" lang="en-US" altLang="zh-CN" sz="3200" dirty="0">
+              <a:rPr kumimoji="1" lang="en-US" altLang="zh-CN" sz="3200" dirty="0" smtClean="0">
                 <a:latin typeface="DengXian" charset="-122"/>
                 <a:ea typeface="DengXian" charset="-122"/>
                 <a:cs typeface="DengXian" charset="-122"/>
               </a:rPr>
               <a:t>UI</a:t>
+            </a:r>
+          </a:p>
+          <a:p>
+            <a:pPr marL="285750" indent="-285750">
+              <a:lnSpc>
+                <a:spcPct val="150000"/>
+              </a:lnSpc>
+              <a:buFont typeface="Arial" charset="0"/>
+              <a:buChar char="•"/>
+            </a:pPr>
+            <a:r>
+              <a:rPr kumimoji="1" lang="en-US" altLang="zh-CN" sz="3200" dirty="0" err="1" smtClean="0">
+                <a:latin typeface="DengXian" charset="-122"/>
+                <a:ea typeface="DengXian" charset="-122"/>
+                <a:cs typeface="DengXian" charset="-122"/>
+              </a:rPr>
+              <a:t>SpringBoot</a:t>
+            </a:r>
+            <a:r>
+              <a:rPr kumimoji="1" lang="zh-CN" altLang="en-US" sz="3200" dirty="0" smtClean="0">
+                <a:latin typeface="DengXian" charset="-122"/>
+                <a:ea typeface="DengXian" charset="-122"/>
+                <a:cs typeface="DengXian" charset="-122"/>
+              </a:rPr>
+              <a:t>框架 实现</a:t>
+            </a:r>
+            <a:r>
+              <a:rPr kumimoji="1" lang="en-US" altLang="zh-CN" sz="3200" dirty="0" smtClean="0">
+                <a:latin typeface="DengXian" charset="-122"/>
+                <a:ea typeface="DengXian" charset="-122"/>
+                <a:cs typeface="DengXian" charset="-122"/>
+              </a:rPr>
+              <a:t>Public</a:t>
+            </a:r>
+            <a:r>
+              <a:rPr kumimoji="1" lang="zh-CN" altLang="en-US" sz="3200" dirty="0" smtClean="0">
+                <a:latin typeface="DengXian" charset="-122"/>
+                <a:ea typeface="DengXian" charset="-122"/>
+                <a:cs typeface="DengXian" charset="-122"/>
+              </a:rPr>
+              <a:t> </a:t>
+            </a:r>
+            <a:r>
+              <a:rPr kumimoji="1" lang="en-US" altLang="zh-CN" sz="3200" dirty="0" smtClean="0">
+                <a:latin typeface="DengXian" charset="-122"/>
+                <a:ea typeface="DengXian" charset="-122"/>
+                <a:cs typeface="DengXian" charset="-122"/>
+              </a:rPr>
+              <a:t>Key</a:t>
+            </a:r>
+            <a:r>
+              <a:rPr kumimoji="1" lang="zh-CN" altLang="en-US" sz="3200" dirty="0" smtClean="0">
+                <a:latin typeface="DengXian" charset="-122"/>
+                <a:ea typeface="DengXian" charset="-122"/>
+                <a:cs typeface="DengXian" charset="-122"/>
+              </a:rPr>
+              <a:t> </a:t>
+            </a:r>
+            <a:r>
+              <a:rPr kumimoji="1" lang="en-US" altLang="zh-CN" sz="3200" dirty="0" smtClean="0">
+                <a:latin typeface="DengXian" charset="-122"/>
+                <a:ea typeface="DengXian" charset="-122"/>
+                <a:cs typeface="DengXian" charset="-122"/>
+              </a:rPr>
+              <a:t>Server</a:t>
             </a:r>
             <a:endParaRPr kumimoji="1" lang="zh-CN" altLang="en-US" sz="3200" dirty="0">
               <a:latin typeface="DengXian" charset="-122"/>
@@ -49571,7 +49748,7 @@
           <p:cNvPr id="3" name="图片 2">
             <a:extLst>
               <a:ext uri="{FF2B5EF4-FFF2-40B4-BE49-F238E27FC236}">
-                <a16:creationId xmlns:a16="http://schemas.microsoft.com/office/drawing/2014/main" id="{DF4E2FAB-C72E-4DCE-A5A7-7D07269CE158}"/>
+                <a16:creationId xmlns:a16="http://schemas.microsoft.com/office/drawing/2014/main" xmlns="" id="{DF4E2FAB-C72E-4DCE-A5A7-7D07269CE158}"/>
               </a:ext>
             </a:extLst>
           </p:cNvPr>
@@ -49601,7 +49778,7 @@
           <p:cNvPr id="4" name="图片 3">
             <a:extLst>
               <a:ext uri="{FF2B5EF4-FFF2-40B4-BE49-F238E27FC236}">
-                <a16:creationId xmlns:a16="http://schemas.microsoft.com/office/drawing/2014/main" id="{7FAE1244-63D2-46A0-983C-54844AADE8ED}"/>
+                <a16:creationId xmlns:a16="http://schemas.microsoft.com/office/drawing/2014/main" xmlns="" id="{7FAE1244-63D2-46A0-983C-54844AADE8ED}"/>
               </a:ext>
             </a:extLst>
           </p:cNvPr>
@@ -49631,7 +49808,7 @@
           <p:cNvPr id="7" name="文本占位符 1">
             <a:extLst>
               <a:ext uri="{FF2B5EF4-FFF2-40B4-BE49-F238E27FC236}">
-                <a16:creationId xmlns:a16="http://schemas.microsoft.com/office/drawing/2014/main" id="{397B982B-8EA7-4AFD-8D4D-F79A5C520B3D}"/>
+                <a16:creationId xmlns:a16="http://schemas.microsoft.com/office/drawing/2014/main" xmlns="" id="{397B982B-8EA7-4AFD-8D4D-F79A5C520B3D}"/>
               </a:ext>
             </a:extLst>
           </p:cNvPr>
@@ -49710,7 +49887,7 @@
           <p:cNvPr id="6" name="图片 5">
             <a:extLst>
               <a:ext uri="{FF2B5EF4-FFF2-40B4-BE49-F238E27FC236}">
-                <a16:creationId xmlns:a16="http://schemas.microsoft.com/office/drawing/2014/main" id="{F9C0964E-6FCE-41C7-A06B-B2AC495A3FB1}"/>
+                <a16:creationId xmlns:a16="http://schemas.microsoft.com/office/drawing/2014/main" xmlns="" id="{F9C0964E-6FCE-41C7-A06B-B2AC495A3FB1}"/>
               </a:ext>
             </a:extLst>
           </p:cNvPr>
@@ -49740,7 +49917,7 @@
           <p:cNvPr id="7" name="图片 6">
             <a:extLst>
               <a:ext uri="{FF2B5EF4-FFF2-40B4-BE49-F238E27FC236}">
-                <a16:creationId xmlns:a16="http://schemas.microsoft.com/office/drawing/2014/main" id="{F88673E6-130D-4681-98BD-FA1C6E0F8B06}"/>
+                <a16:creationId xmlns:a16="http://schemas.microsoft.com/office/drawing/2014/main" xmlns="" id="{F88673E6-130D-4681-98BD-FA1C6E0F8B06}"/>
               </a:ext>
             </a:extLst>
           </p:cNvPr>
@@ -49770,7 +49947,7 @@
           <p:cNvPr id="9" name="图片 8">
             <a:extLst>
               <a:ext uri="{FF2B5EF4-FFF2-40B4-BE49-F238E27FC236}">
-                <a16:creationId xmlns:a16="http://schemas.microsoft.com/office/drawing/2014/main" id="{4FE176C0-8535-43D2-9445-56356E14F2DD}"/>
+                <a16:creationId xmlns:a16="http://schemas.microsoft.com/office/drawing/2014/main" xmlns="" id="{4FE176C0-8535-43D2-9445-56356E14F2DD}"/>
               </a:ext>
             </a:extLst>
           </p:cNvPr>
@@ -49800,7 +49977,7 @@
           <p:cNvPr id="10" name="文本占位符 1">
             <a:extLst>
               <a:ext uri="{FF2B5EF4-FFF2-40B4-BE49-F238E27FC236}">
-                <a16:creationId xmlns:a16="http://schemas.microsoft.com/office/drawing/2014/main" id="{BDE7E61F-3AF2-4577-8BB1-1FA5D158F0F1}"/>
+                <a16:creationId xmlns:a16="http://schemas.microsoft.com/office/drawing/2014/main" xmlns="" id="{BDE7E61F-3AF2-4577-8BB1-1FA5D158F0F1}"/>
               </a:ext>
             </a:extLst>
           </p:cNvPr>

--- a/Final presentation.pptx
+++ b/Final presentation.pptx
@@ -6,10 +6,10 @@
     <p:sldMasterId id="2147483679" r:id="rId2"/>
   </p:sldMasterIdLst>
   <p:notesMasterIdLst>
-    <p:notesMasterId r:id="rId17"/>
+    <p:notesMasterId r:id="rId18"/>
   </p:notesMasterIdLst>
   <p:handoutMasterIdLst>
-    <p:handoutMasterId r:id="rId18"/>
+    <p:handoutMasterId r:id="rId19"/>
   </p:handoutMasterIdLst>
   <p:sldIdLst>
     <p:sldId id="256" r:id="rId3"/>
@@ -23,9 +23,10 @@
     <p:sldId id="276" r:id="rId11"/>
     <p:sldId id="278" r:id="rId12"/>
     <p:sldId id="277" r:id="rId13"/>
-    <p:sldId id="260" r:id="rId14"/>
-    <p:sldId id="272" r:id="rId15"/>
-    <p:sldId id="262" r:id="rId16"/>
+    <p:sldId id="279" r:id="rId14"/>
+    <p:sldId id="260" r:id="rId15"/>
+    <p:sldId id="272" r:id="rId16"/>
+    <p:sldId id="262" r:id="rId17"/>
   </p:sldIdLst>
   <p:sldSz cx="12192000" cy="6858000"/>
   <p:notesSz cx="6858000" cy="9144000"/>
@@ -47701,6 +47702,110 @@
       </p:grpSpPr>
       <p:sp>
         <p:nvSpPr>
+          <p:cNvPr id="8" name="文本占位符 1">
+            <a:extLst>
+              <a:ext uri="{FF2B5EF4-FFF2-40B4-BE49-F238E27FC236}">
+                <a16:creationId xmlns:a16="http://schemas.microsoft.com/office/drawing/2014/main" id="{7C9DDE8D-34AF-4F5C-94FE-85C4FC2DD480}"/>
+              </a:ext>
+            </a:extLst>
+          </p:cNvPr>
+          <p:cNvSpPr>
+            <a:spLocks noGrp="1"/>
+          </p:cNvSpPr>
+          <p:nvPr>
+            <p:ph type="body" sz="quarter" idx="10"/>
+          </p:nvPr>
+        </p:nvSpPr>
+        <p:spPr/>
+        <p:txBody>
+          <a:bodyPr/>
+          <a:lstStyle/>
+          <a:p>
+            <a:r>
+              <a:rPr lang="en-US" altLang="zh-CN" b="1" dirty="0">
+                <a:solidFill>
+                  <a:schemeClr val="accent1"/>
+                </a:solidFill>
+                <a:cs typeface="+mn-ea"/>
+                <a:sym typeface="+mn-lt"/>
+              </a:rPr>
+              <a:t>Part Three </a:t>
+            </a:r>
+            <a:r>
+              <a:rPr lang="zh-CN" altLang="en-US" b="1" dirty="0">
+                <a:cs typeface="+mn-ea"/>
+                <a:sym typeface="+mn-lt"/>
+              </a:rPr>
+              <a:t>成果展示</a:t>
+            </a:r>
+          </a:p>
+        </p:txBody>
+      </p:sp>
+      <p:pic>
+        <p:nvPicPr>
+          <p:cNvPr id="3" name="图片 2">
+            <a:extLst>
+              <a:ext uri="{FF2B5EF4-FFF2-40B4-BE49-F238E27FC236}">
+                <a16:creationId xmlns:a16="http://schemas.microsoft.com/office/drawing/2014/main" id="{E36856B5-A3DC-4790-973C-4BAC235E2AB7}"/>
+              </a:ext>
+            </a:extLst>
+          </p:cNvPr>
+          <p:cNvPicPr>
+            <a:picLocks noChangeAspect="1"/>
+          </p:cNvPicPr>
+          <p:nvPr/>
+        </p:nvPicPr>
+        <p:blipFill>
+          <a:blip r:embed="rId2"/>
+          <a:stretch>
+            <a:fillRect/>
+          </a:stretch>
+        </p:blipFill>
+        <p:spPr>
+          <a:xfrm>
+            <a:off x="523875" y="828675"/>
+            <a:ext cx="10651622" cy="5679018"/>
+          </a:xfrm>
+          <a:prstGeom prst="rect">
+            <a:avLst/>
+          </a:prstGeom>
+        </p:spPr>
+      </p:pic>
+    </p:spTree>
+    <p:extLst>
+      <p:ext uri="{BB962C8B-B14F-4D97-AF65-F5344CB8AC3E}">
+        <p14:creationId xmlns:p14="http://schemas.microsoft.com/office/powerpoint/2010/main" val="2448166398"/>
+      </p:ext>
+    </p:extLst>
+  </p:cSld>
+  <p:clrMapOvr>
+    <a:masterClrMapping/>
+  </p:clrMapOvr>
+  <p:transition spd="slow">
+    <p:push/>
+  </p:transition>
+</p:sld>
+</file>
+
+<file path=ppt/slides/slide13.xml><?xml version="1.0" encoding="utf-8"?>
+<p:sld xmlns:a="http://schemas.openxmlformats.org/drawingml/2006/main" xmlns:r="http://schemas.openxmlformats.org/officeDocument/2006/relationships" xmlns:p="http://schemas.openxmlformats.org/presentationml/2006/main">
+  <p:cSld>
+    <p:spTree>
+      <p:nvGrpSpPr>
+        <p:cNvPr id="1" name=""/>
+        <p:cNvGrpSpPr/>
+        <p:nvPr/>
+      </p:nvGrpSpPr>
+      <p:grpSpPr>
+        <a:xfrm>
+          <a:off x="0" y="0"/>
+          <a:ext cx="0" cy="0"/>
+          <a:chOff x="0" y="0"/>
+          <a:chExt cx="0" cy="0"/>
+        </a:xfrm>
+      </p:grpSpPr>
+      <p:sp>
+        <p:nvSpPr>
           <p:cNvPr id="3" name="文本框 2"/>
           <p:cNvSpPr txBox="1"/>
           <p:nvPr/>
@@ -47795,7 +47900,7 @@
 </p:sld>
 </file>
 
-<file path=ppt/slides/slide13.xml><?xml version="1.0" encoding="utf-8"?>
+<file path=ppt/slides/slide14.xml><?xml version="1.0" encoding="utf-8"?>
 <p:sld xmlns:a="http://schemas.openxmlformats.org/drawingml/2006/main" xmlns:r="http://schemas.openxmlformats.org/officeDocument/2006/relationships" xmlns:p="http://schemas.openxmlformats.org/presentationml/2006/main">
   <p:cSld>
     <p:spTree>
@@ -48029,7 +48134,7 @@
 </p:sld>
 </file>
 
-<file path=ppt/slides/slide14.xml><?xml version="1.0" encoding="utf-8"?>
+<file path=ppt/slides/slide15.xml><?xml version="1.0" encoding="utf-8"?>
 <p:sld xmlns:a="http://schemas.openxmlformats.org/drawingml/2006/main" xmlns:r="http://schemas.openxmlformats.org/officeDocument/2006/relationships" xmlns:p="http://schemas.openxmlformats.org/presentationml/2006/main">
   <p:cSld>
     <p:spTree>
